--- a/doc/notification.pptx
+++ b/doc/notification.pptx
@@ -110,6 +110,11 @@
       </a:defRPr>
     </a:lvl9pPr>
   </p:defaultTextStyle>
+  <p:extLst>
+    <p:ext uri="{EFAFB233-063F-42B5-8137-9DF3F51BA10A}">
+      <p15:sldGuideLst xmlns:p15="http://schemas.microsoft.com/office/powerpoint/2012/main"/>
+    </p:ext>
+  </p:extLst>
 </p:presentation>
 </file>
 
@@ -155,7 +160,7 @@
           </a:lstStyle>
           <a:p>
             <a:r>
-              <a:rPr lang="en-US" smtClean="0"/>
+              <a:rPr lang="en-US"/>
               <a:t>Click to edit Master title style</a:t>
             </a:r>
             <a:endParaRPr lang="en-US" dirty="0"/>
@@ -275,7 +280,7 @@
           </a:lstStyle>
           <a:p>
             <a:r>
-              <a:rPr lang="en-US" smtClean="0"/>
+              <a:rPr lang="en-US"/>
               <a:t>Click to edit Master subtitle style</a:t>
             </a:r>
             <a:endParaRPr lang="en-US" dirty="0"/>
@@ -299,7 +304,7 @@
           <a:p>
             <a:fld id="{4AAD347D-5ACD-4C99-B74B-A9C85AD731AF}" type="datetimeFigureOut">
               <a:rPr lang="en-US" dirty="0"/>
-              <a:t>2/5/2024</a:t>
+              <a:t>5/9/2024</a:t>
             </a:fld>
             <a:endParaRPr lang="en-US" dirty="0"/>
           </a:p>
@@ -399,7 +404,7 @@
           </a:lstStyle>
           <a:p>
             <a:r>
-              <a:rPr lang="en-US" smtClean="0"/>
+              <a:rPr lang="en-US"/>
               <a:t>Click to edit Master title style</a:t>
             </a:r>
             <a:endParaRPr lang="en-US" dirty="0"/>
@@ -478,7 +483,7 @@
           </a:lstStyle>
           <a:p>
             <a:r>
-              <a:rPr lang="en-US" smtClean="0"/>
+              <a:rPr lang="en-US"/>
               <a:t>Click icon to add picture</a:t>
             </a:r>
             <a:endParaRPr lang="en-US" dirty="0"/>
@@ -546,7 +551,7 @@
           <a:p>
             <a:pPr lvl="0"/>
             <a:r>
-              <a:rPr lang="en-US" smtClean="0"/>
+              <a:rPr lang="en-US"/>
               <a:t>Edit Master text styles</a:t>
             </a:r>
           </a:p>
@@ -569,7 +574,7 @@
           <a:p>
             <a:fld id="{4509A250-FF31-4206-8172-F9D3106AACB1}" type="datetimeFigureOut">
               <a:rPr lang="en-US" dirty="0"/>
-              <a:t>2/5/2024</a:t>
+              <a:t>5/9/2024</a:t>
             </a:fld>
             <a:endParaRPr lang="en-US" dirty="0"/>
           </a:p>
@@ -667,7 +672,7 @@
           </a:lstStyle>
           <a:p>
             <a:r>
-              <a:rPr lang="en-US" smtClean="0"/>
+              <a:rPr lang="en-US"/>
               <a:t>Click to edit Master title style</a:t>
             </a:r>
             <a:endParaRPr lang="en-US" dirty="0"/>
@@ -735,7 +740,7 @@
           <a:p>
             <a:pPr lvl="0"/>
             <a:r>
-              <a:rPr lang="en-US" smtClean="0"/>
+              <a:rPr lang="en-US"/>
               <a:t>Edit Master text styles</a:t>
             </a:r>
           </a:p>
@@ -758,7 +763,7 @@
           <a:p>
             <a:fld id="{4509A250-FF31-4206-8172-F9D3106AACB1}" type="datetimeFigureOut">
               <a:rPr lang="en-US" dirty="0"/>
-              <a:t>2/5/2024</a:t>
+              <a:t>5/9/2024</a:t>
             </a:fld>
             <a:endParaRPr lang="en-US" dirty="0"/>
           </a:p>
@@ -856,7 +861,7 @@
           </a:lstStyle>
           <a:p>
             <a:r>
-              <a:rPr lang="en-US" smtClean="0"/>
+              <a:rPr lang="en-US"/>
               <a:t>Click to edit Master title style</a:t>
             </a:r>
             <a:endParaRPr lang="en-US" dirty="0"/>
@@ -936,7 +941,7 @@
               <a:buNone/>
             </a:pPr>
             <a:r>
-              <a:rPr lang="en-US" smtClean="0"/>
+              <a:rPr lang="en-US"/>
               <a:t>Edit Master text styles</a:t>
             </a:r>
           </a:p>
@@ -1003,7 +1008,7 @@
           <a:p>
             <a:pPr lvl="0"/>
             <a:r>
-              <a:rPr lang="en-US" smtClean="0"/>
+              <a:rPr lang="en-US"/>
               <a:t>Edit Master text styles</a:t>
             </a:r>
           </a:p>
@@ -1026,7 +1031,7 @@
           <a:p>
             <a:fld id="{4509A250-FF31-4206-8172-F9D3106AACB1}" type="datetimeFigureOut">
               <a:rPr lang="en-US" dirty="0"/>
-              <a:t>2/5/2024</a:t>
+              <a:t>5/9/2024</a:t>
             </a:fld>
             <a:endParaRPr lang="en-US" dirty="0"/>
           </a:p>
@@ -1218,7 +1223,7 @@
           </a:lstStyle>
           <a:p>
             <a:r>
-              <a:rPr lang="en-US" smtClean="0"/>
+              <a:rPr lang="en-US"/>
               <a:t>Click to edit Master title style</a:t>
             </a:r>
             <a:endParaRPr lang="en-US" dirty="0"/>
@@ -1339,7 +1344,7 @@
           <a:p>
             <a:pPr lvl="0"/>
             <a:r>
-              <a:rPr lang="en-US" smtClean="0"/>
+              <a:rPr lang="en-US"/>
               <a:t>Edit Master text styles</a:t>
             </a:r>
           </a:p>
@@ -1362,7 +1367,7 @@
           <a:p>
             <a:fld id="{4509A250-FF31-4206-8172-F9D3106AACB1}" type="datetimeFigureOut">
               <a:rPr lang="en-US" dirty="0"/>
-              <a:t>2/5/2024</a:t>
+              <a:t>5/9/2024</a:t>
             </a:fld>
             <a:endParaRPr lang="en-US" dirty="0"/>
           </a:p>
@@ -1455,7 +1460,7 @@
           </a:lstStyle>
           <a:p>
             <a:r>
-              <a:rPr lang="en-US" smtClean="0"/>
+              <a:rPr lang="en-US"/>
               <a:t>Click to edit Master title style</a:t>
             </a:r>
             <a:endParaRPr lang="en-US" dirty="0"/>
@@ -1530,7 +1535,7 @@
           <a:p>
             <a:pPr lvl="0"/>
             <a:r>
-              <a:rPr lang="en-US" smtClean="0"/>
+              <a:rPr lang="en-US"/>
               <a:t>Edit Master text styles</a:t>
             </a:r>
           </a:p>
@@ -1597,7 +1602,7 @@
           <a:p>
             <a:pPr lvl="0"/>
             <a:r>
-              <a:rPr lang="en-US" smtClean="0"/>
+              <a:rPr lang="en-US"/>
               <a:t>Edit Master text styles</a:t>
             </a:r>
           </a:p>
@@ -1671,7 +1676,7 @@
           <a:p>
             <a:pPr lvl="0"/>
             <a:r>
-              <a:rPr lang="en-US" smtClean="0"/>
+              <a:rPr lang="en-US"/>
               <a:t>Edit Master text styles</a:t>
             </a:r>
           </a:p>
@@ -1738,7 +1743,7 @@
           <a:p>
             <a:pPr lvl="0"/>
             <a:r>
-              <a:rPr lang="en-US" smtClean="0"/>
+              <a:rPr lang="en-US"/>
               <a:t>Edit Master text styles</a:t>
             </a:r>
           </a:p>
@@ -1812,7 +1817,7 @@
           <a:p>
             <a:pPr lvl="0"/>
             <a:r>
-              <a:rPr lang="en-US" smtClean="0"/>
+              <a:rPr lang="en-US"/>
               <a:t>Edit Master text styles</a:t>
             </a:r>
           </a:p>
@@ -1879,7 +1884,7 @@
           <a:p>
             <a:pPr lvl="0"/>
             <a:r>
-              <a:rPr lang="en-US" smtClean="0"/>
+              <a:rPr lang="en-US"/>
               <a:t>Edit Master text styles</a:t>
             </a:r>
           </a:p>
@@ -1980,7 +1985,7 @@
           <a:p>
             <a:fld id="{4509A250-FF31-4206-8172-F9D3106AACB1}" type="datetimeFigureOut">
               <a:rPr lang="en-US" dirty="0"/>
-              <a:t>2/5/2024</a:t>
+              <a:t>5/9/2024</a:t>
             </a:fld>
             <a:endParaRPr lang="en-US" dirty="0"/>
           </a:p>
@@ -2073,7 +2078,7 @@
           </a:lstStyle>
           <a:p>
             <a:r>
-              <a:rPr lang="en-US" smtClean="0"/>
+              <a:rPr lang="en-US"/>
               <a:t>Click to edit Master title style</a:t>
             </a:r>
             <a:endParaRPr lang="en-US" dirty="0"/>
@@ -2148,7 +2153,7 @@
           <a:p>
             <a:pPr lvl="0"/>
             <a:r>
-              <a:rPr lang="en-US" smtClean="0"/>
+              <a:rPr lang="en-US"/>
               <a:t>Edit Master text styles</a:t>
             </a:r>
           </a:p>
@@ -2226,7 +2231,7 @@
           </a:lstStyle>
           <a:p>
             <a:r>
-              <a:rPr lang="en-US" smtClean="0"/>
+              <a:rPr lang="en-US"/>
               <a:t>Click icon to add picture</a:t>
             </a:r>
             <a:endParaRPr lang="en-US" dirty="0"/>
@@ -2294,7 +2299,7 @@
           <a:p>
             <a:pPr lvl="0"/>
             <a:r>
-              <a:rPr lang="en-US" smtClean="0"/>
+              <a:rPr lang="en-US"/>
               <a:t>Edit Master text styles</a:t>
             </a:r>
           </a:p>
@@ -2368,7 +2373,7 @@
           <a:p>
             <a:pPr lvl="0"/>
             <a:r>
-              <a:rPr lang="en-US" smtClean="0"/>
+              <a:rPr lang="en-US"/>
               <a:t>Edit Master text styles</a:t>
             </a:r>
           </a:p>
@@ -2446,7 +2451,7 @@
           </a:lstStyle>
           <a:p>
             <a:r>
-              <a:rPr lang="en-US" smtClean="0"/>
+              <a:rPr lang="en-US"/>
               <a:t>Click icon to add picture</a:t>
             </a:r>
             <a:endParaRPr lang="en-US" dirty="0"/>
@@ -2514,7 +2519,7 @@
           <a:p>
             <a:pPr lvl="0"/>
             <a:r>
-              <a:rPr lang="en-US" smtClean="0"/>
+              <a:rPr lang="en-US"/>
               <a:t>Edit Master text styles</a:t>
             </a:r>
           </a:p>
@@ -2588,7 +2593,7 @@
           <a:p>
             <a:pPr lvl="0"/>
             <a:r>
-              <a:rPr lang="en-US" smtClean="0"/>
+              <a:rPr lang="en-US"/>
               <a:t>Edit Master text styles</a:t>
             </a:r>
           </a:p>
@@ -2666,7 +2671,7 @@
           </a:lstStyle>
           <a:p>
             <a:r>
-              <a:rPr lang="en-US" smtClean="0"/>
+              <a:rPr lang="en-US"/>
               <a:t>Click icon to add picture</a:t>
             </a:r>
             <a:endParaRPr lang="en-US" dirty="0"/>
@@ -2734,7 +2739,7 @@
           <a:p>
             <a:pPr lvl="0"/>
             <a:r>
-              <a:rPr lang="en-US" smtClean="0"/>
+              <a:rPr lang="en-US"/>
               <a:t>Edit Master text styles</a:t>
             </a:r>
           </a:p>
@@ -2835,7 +2840,7 @@
           <a:p>
             <a:fld id="{4509A250-FF31-4206-8172-F9D3106AACB1}" type="datetimeFigureOut">
               <a:rPr lang="en-US" dirty="0"/>
-              <a:t>2/5/2024</a:t>
+              <a:t>5/9/2024</a:t>
             </a:fld>
             <a:endParaRPr lang="en-US" dirty="0"/>
           </a:p>
@@ -2924,7 +2929,7 @@
           <a:lstStyle/>
           <a:p>
             <a:r>
-              <a:rPr lang="en-US" smtClean="0"/>
+              <a:rPr lang="en-US"/>
               <a:t>Click to edit Master title style</a:t>
             </a:r>
             <a:endParaRPr lang="en-US" dirty="0"/>
@@ -2948,35 +2953,35 @@
           <a:p>
             <a:pPr lvl="0"/>
             <a:r>
-              <a:rPr lang="en-US" smtClean="0"/>
+              <a:rPr lang="en-US"/>
               <a:t>Edit Master text styles</a:t>
             </a:r>
           </a:p>
           <a:p>
             <a:pPr lvl="1"/>
             <a:r>
-              <a:rPr lang="en-US" smtClean="0"/>
+              <a:rPr lang="en-US"/>
               <a:t>Second level</a:t>
             </a:r>
           </a:p>
           <a:p>
             <a:pPr lvl="2"/>
             <a:r>
-              <a:rPr lang="en-US" smtClean="0"/>
+              <a:rPr lang="en-US"/>
               <a:t>Third level</a:t>
             </a:r>
           </a:p>
           <a:p>
             <a:pPr lvl="3"/>
             <a:r>
-              <a:rPr lang="en-US" smtClean="0"/>
+              <a:rPr lang="en-US"/>
               <a:t>Fourth level</a:t>
             </a:r>
           </a:p>
           <a:p>
             <a:pPr lvl="4"/>
             <a:r>
-              <a:rPr lang="en-US" smtClean="0"/>
+              <a:rPr lang="en-US"/>
               <a:t>Fifth level</a:t>
             </a:r>
             <a:endParaRPr lang="en-US" dirty="0"/>
@@ -3000,7 +3005,7 @@
           <a:p>
             <a:fld id="{4509A250-FF31-4206-8172-F9D3106AACB1}" type="datetimeFigureOut">
               <a:rPr lang="en-US" dirty="0"/>
-              <a:t>2/5/2024</a:t>
+              <a:t>5/9/2024</a:t>
             </a:fld>
             <a:endParaRPr lang="en-US" dirty="0"/>
           </a:p>
@@ -3094,7 +3099,7 @@
           <a:lstStyle/>
           <a:p>
             <a:r>
-              <a:rPr lang="en-US" smtClean="0"/>
+              <a:rPr lang="en-US"/>
               <a:t>Click to edit Master title style</a:t>
             </a:r>
             <a:endParaRPr lang="en-US" dirty="0"/>
@@ -3123,35 +3128,35 @@
           <a:p>
             <a:pPr lvl="0"/>
             <a:r>
-              <a:rPr lang="en-US" smtClean="0"/>
+              <a:rPr lang="en-US"/>
               <a:t>Edit Master text styles</a:t>
             </a:r>
           </a:p>
           <a:p>
             <a:pPr lvl="1"/>
             <a:r>
-              <a:rPr lang="en-US" smtClean="0"/>
+              <a:rPr lang="en-US"/>
               <a:t>Second level</a:t>
             </a:r>
           </a:p>
           <a:p>
             <a:pPr lvl="2"/>
             <a:r>
-              <a:rPr lang="en-US" smtClean="0"/>
+              <a:rPr lang="en-US"/>
               <a:t>Third level</a:t>
             </a:r>
           </a:p>
           <a:p>
             <a:pPr lvl="3"/>
             <a:r>
-              <a:rPr lang="en-US" smtClean="0"/>
+              <a:rPr lang="en-US"/>
               <a:t>Fourth level</a:t>
             </a:r>
           </a:p>
           <a:p>
             <a:pPr lvl="4"/>
             <a:r>
-              <a:rPr lang="en-US" smtClean="0"/>
+              <a:rPr lang="en-US"/>
               <a:t>Fifth level</a:t>
             </a:r>
             <a:endParaRPr lang="en-US" dirty="0"/>
@@ -3175,7 +3180,7 @@
           <a:p>
             <a:fld id="{4509A250-FF31-4206-8172-F9D3106AACB1}" type="datetimeFigureOut">
               <a:rPr lang="en-US" dirty="0"/>
-              <a:t>2/5/2024</a:t>
+              <a:t>5/9/2024</a:t>
             </a:fld>
             <a:endParaRPr lang="en-US" dirty="0"/>
           </a:p>
@@ -3264,7 +3269,7 @@
           <a:lstStyle/>
           <a:p>
             <a:r>
-              <a:rPr lang="en-US" smtClean="0"/>
+              <a:rPr lang="en-US"/>
               <a:t>Click to edit Master title style</a:t>
             </a:r>
             <a:endParaRPr lang="en-US" dirty="0"/>
@@ -3288,35 +3293,35 @@
           <a:p>
             <a:pPr lvl="0"/>
             <a:r>
-              <a:rPr lang="en-US" smtClean="0"/>
+              <a:rPr lang="en-US"/>
               <a:t>Edit Master text styles</a:t>
             </a:r>
           </a:p>
           <a:p>
             <a:pPr lvl="1"/>
             <a:r>
-              <a:rPr lang="en-US" smtClean="0"/>
+              <a:rPr lang="en-US"/>
               <a:t>Second level</a:t>
             </a:r>
           </a:p>
           <a:p>
             <a:pPr lvl="2"/>
             <a:r>
-              <a:rPr lang="en-US" smtClean="0"/>
+              <a:rPr lang="en-US"/>
               <a:t>Third level</a:t>
             </a:r>
           </a:p>
           <a:p>
             <a:pPr lvl="3"/>
             <a:r>
-              <a:rPr lang="en-US" smtClean="0"/>
+              <a:rPr lang="en-US"/>
               <a:t>Fourth level</a:t>
             </a:r>
           </a:p>
           <a:p>
             <a:pPr lvl="4"/>
             <a:r>
-              <a:rPr lang="en-US" smtClean="0"/>
+              <a:rPr lang="en-US"/>
               <a:t>Fifth level</a:t>
             </a:r>
             <a:endParaRPr lang="en-US" dirty="0"/>
@@ -3340,7 +3345,7 @@
           <a:p>
             <a:fld id="{4509A250-FF31-4206-8172-F9D3106AACB1}" type="datetimeFigureOut">
               <a:rPr lang="en-US" dirty="0"/>
-              <a:t>2/5/2024</a:t>
+              <a:t>5/9/2024</a:t>
             </a:fld>
             <a:endParaRPr lang="en-US" dirty="0"/>
           </a:p>
@@ -3438,7 +3443,7 @@
           </a:lstStyle>
           <a:p>
             <a:r>
-              <a:rPr lang="en-US" smtClean="0"/>
+              <a:rPr lang="en-US"/>
               <a:t>Click to edit Master title style</a:t>
             </a:r>
             <a:endParaRPr lang="en-US" dirty="0"/>
@@ -3559,7 +3564,7 @@
           <a:p>
             <a:pPr lvl="0"/>
             <a:r>
-              <a:rPr lang="en-US" smtClean="0"/>
+              <a:rPr lang="en-US"/>
               <a:t>Edit Master text styles</a:t>
             </a:r>
           </a:p>
@@ -3582,7 +3587,7 @@
           <a:p>
             <a:fld id="{9796027F-7875-4030-9381-8BD8C4F21935}" type="datetimeFigureOut">
               <a:rPr lang="en-US" dirty="0"/>
-              <a:t>2/5/2024</a:t>
+              <a:t>5/9/2024</a:t>
             </a:fld>
             <a:endParaRPr lang="en-US" dirty="0"/>
           </a:p>
@@ -3671,7 +3676,7 @@
           <a:lstStyle/>
           <a:p>
             <a:r>
-              <a:rPr lang="en-US" smtClean="0"/>
+              <a:rPr lang="en-US"/>
               <a:t>Click to edit Master title style</a:t>
             </a:r>
             <a:endParaRPr lang="en-US" dirty="0"/>
@@ -3730,35 +3735,35 @@
           <a:p>
             <a:pPr lvl="0"/>
             <a:r>
-              <a:rPr lang="en-US" smtClean="0"/>
+              <a:rPr lang="en-US"/>
               <a:t>Edit Master text styles</a:t>
             </a:r>
           </a:p>
           <a:p>
             <a:pPr lvl="1"/>
             <a:r>
-              <a:rPr lang="en-US" smtClean="0"/>
+              <a:rPr lang="en-US"/>
               <a:t>Second level</a:t>
             </a:r>
           </a:p>
           <a:p>
             <a:pPr lvl="2"/>
             <a:r>
-              <a:rPr lang="en-US" smtClean="0"/>
+              <a:rPr lang="en-US"/>
               <a:t>Third level</a:t>
             </a:r>
           </a:p>
           <a:p>
             <a:pPr lvl="3"/>
             <a:r>
-              <a:rPr lang="en-US" smtClean="0"/>
+              <a:rPr lang="en-US"/>
               <a:t>Fourth level</a:t>
             </a:r>
           </a:p>
           <a:p>
             <a:pPr lvl="4"/>
             <a:r>
-              <a:rPr lang="en-US" smtClean="0"/>
+              <a:rPr lang="en-US"/>
               <a:t>Fifth level</a:t>
             </a:r>
             <a:endParaRPr lang="en-US" dirty="0"/>
@@ -3817,35 +3822,35 @@
           <a:p>
             <a:pPr lvl="0"/>
             <a:r>
-              <a:rPr lang="en-US" smtClean="0"/>
+              <a:rPr lang="en-US"/>
               <a:t>Edit Master text styles</a:t>
             </a:r>
           </a:p>
           <a:p>
             <a:pPr lvl="1"/>
             <a:r>
-              <a:rPr lang="en-US" smtClean="0"/>
+              <a:rPr lang="en-US"/>
               <a:t>Second level</a:t>
             </a:r>
           </a:p>
           <a:p>
             <a:pPr lvl="2"/>
             <a:r>
-              <a:rPr lang="en-US" smtClean="0"/>
+              <a:rPr lang="en-US"/>
               <a:t>Third level</a:t>
             </a:r>
           </a:p>
           <a:p>
             <a:pPr lvl="3"/>
             <a:r>
-              <a:rPr lang="en-US" smtClean="0"/>
+              <a:rPr lang="en-US"/>
               <a:t>Fourth level</a:t>
             </a:r>
           </a:p>
           <a:p>
             <a:pPr lvl="4"/>
             <a:r>
-              <a:rPr lang="en-US" smtClean="0"/>
+              <a:rPr lang="en-US"/>
               <a:t>Fifth level</a:t>
             </a:r>
             <a:endParaRPr lang="en-US" dirty="0"/>
@@ -3869,7 +3874,7 @@
           <a:p>
             <a:fld id="{9796027F-7875-4030-9381-8BD8C4F21935}" type="datetimeFigureOut">
               <a:rPr lang="en-US" dirty="0"/>
-              <a:t>2/5/2024</a:t>
+              <a:t>5/9/2024</a:t>
             </a:fld>
             <a:endParaRPr lang="en-US" dirty="0"/>
           </a:p>
@@ -3962,7 +3967,7 @@
           </a:lstStyle>
           <a:p>
             <a:r>
-              <a:rPr lang="en-US" smtClean="0"/>
+              <a:rPr lang="en-US"/>
               <a:t>Click to edit Master title style</a:t>
             </a:r>
             <a:endParaRPr lang="en-US" dirty="0"/>
@@ -4037,7 +4042,7 @@
           <a:p>
             <a:pPr lvl="0"/>
             <a:r>
-              <a:rPr lang="en-US" smtClean="0"/>
+              <a:rPr lang="en-US"/>
               <a:t>Edit Master text styles</a:t>
             </a:r>
           </a:p>
@@ -4095,35 +4100,35 @@
           <a:p>
             <a:pPr lvl="0"/>
             <a:r>
-              <a:rPr lang="en-US" smtClean="0"/>
+              <a:rPr lang="en-US"/>
               <a:t>Edit Master text styles</a:t>
             </a:r>
           </a:p>
           <a:p>
             <a:pPr lvl="1"/>
             <a:r>
-              <a:rPr lang="en-US" smtClean="0"/>
+              <a:rPr lang="en-US"/>
               <a:t>Second level</a:t>
             </a:r>
           </a:p>
           <a:p>
             <a:pPr lvl="2"/>
             <a:r>
-              <a:rPr lang="en-US" smtClean="0"/>
+              <a:rPr lang="en-US"/>
               <a:t>Third level</a:t>
             </a:r>
           </a:p>
           <a:p>
             <a:pPr lvl="3"/>
             <a:r>
-              <a:rPr lang="en-US" smtClean="0"/>
+              <a:rPr lang="en-US"/>
               <a:t>Fourth level</a:t>
             </a:r>
           </a:p>
           <a:p>
             <a:pPr lvl="4"/>
             <a:r>
-              <a:rPr lang="en-US" smtClean="0"/>
+              <a:rPr lang="en-US"/>
               <a:t>Fifth level</a:t>
             </a:r>
             <a:endParaRPr lang="en-US" dirty="0"/>
@@ -4198,7 +4203,7 @@
           <a:p>
             <a:pPr lvl="0"/>
             <a:r>
-              <a:rPr lang="en-US" smtClean="0"/>
+              <a:rPr lang="en-US"/>
               <a:t>Edit Master text styles</a:t>
             </a:r>
           </a:p>
@@ -4256,35 +4261,35 @@
           <a:p>
             <a:pPr lvl="0"/>
             <a:r>
-              <a:rPr lang="en-US" smtClean="0"/>
+              <a:rPr lang="en-US"/>
               <a:t>Edit Master text styles</a:t>
             </a:r>
           </a:p>
           <a:p>
             <a:pPr lvl="1"/>
             <a:r>
-              <a:rPr lang="en-US" smtClean="0"/>
+              <a:rPr lang="en-US"/>
               <a:t>Second level</a:t>
             </a:r>
           </a:p>
           <a:p>
             <a:pPr lvl="2"/>
             <a:r>
-              <a:rPr lang="en-US" smtClean="0"/>
+              <a:rPr lang="en-US"/>
               <a:t>Third level</a:t>
             </a:r>
           </a:p>
           <a:p>
             <a:pPr lvl="3"/>
             <a:r>
-              <a:rPr lang="en-US" smtClean="0"/>
+              <a:rPr lang="en-US"/>
               <a:t>Fourth level</a:t>
             </a:r>
           </a:p>
           <a:p>
             <a:pPr lvl="4"/>
             <a:r>
-              <a:rPr lang="en-US" smtClean="0"/>
+              <a:rPr lang="en-US"/>
               <a:t>Fifth level</a:t>
             </a:r>
             <a:endParaRPr lang="en-US" dirty="0"/>
@@ -4308,7 +4313,7 @@
           <a:p>
             <a:fld id="{9796027F-7875-4030-9381-8BD8C4F21935}" type="datetimeFigureOut">
               <a:rPr lang="en-US" dirty="0"/>
-              <a:t>2/5/2024</a:t>
+              <a:t>5/9/2024</a:t>
             </a:fld>
             <a:endParaRPr lang="en-US" dirty="0"/>
           </a:p>
@@ -4397,7 +4402,7 @@
           <a:lstStyle/>
           <a:p>
             <a:r>
-              <a:rPr lang="en-US" smtClean="0"/>
+              <a:rPr lang="en-US"/>
               <a:t>Click to edit Master title style</a:t>
             </a:r>
             <a:endParaRPr lang="en-US" dirty="0"/>
@@ -4421,7 +4426,7 @@
           <a:p>
             <a:fld id="{4509A250-FF31-4206-8172-F9D3106AACB1}" type="datetimeFigureOut">
               <a:rPr lang="en-US" dirty="0"/>
-              <a:t>2/5/2024</a:t>
+              <a:t>5/9/2024</a:t>
             </a:fld>
             <a:endParaRPr lang="en-US" dirty="0"/>
           </a:p>
@@ -4511,7 +4516,7 @@
           <a:p>
             <a:fld id="{4509A250-FF31-4206-8172-F9D3106AACB1}" type="datetimeFigureOut">
               <a:rPr lang="en-US" dirty="0"/>
-              <a:t>2/5/2024</a:t>
+              <a:t>5/9/2024</a:t>
             </a:fld>
             <a:endParaRPr lang="en-US" dirty="0"/>
           </a:p>
@@ -4609,7 +4614,7 @@
           </a:lstStyle>
           <a:p>
             <a:r>
-              <a:rPr lang="en-US" smtClean="0"/>
+              <a:rPr lang="en-US"/>
               <a:t>Click to edit Master title style</a:t>
             </a:r>
             <a:endParaRPr lang="en-US" dirty="0"/>
@@ -4668,35 +4673,35 @@
           <a:p>
             <a:pPr lvl="0"/>
             <a:r>
-              <a:rPr lang="en-US" smtClean="0"/>
+              <a:rPr lang="en-US"/>
               <a:t>Edit Master text styles</a:t>
             </a:r>
           </a:p>
           <a:p>
             <a:pPr lvl="1"/>
             <a:r>
-              <a:rPr lang="en-US" smtClean="0"/>
+              <a:rPr lang="en-US"/>
               <a:t>Second level</a:t>
             </a:r>
           </a:p>
           <a:p>
             <a:pPr lvl="2"/>
             <a:r>
-              <a:rPr lang="en-US" smtClean="0"/>
+              <a:rPr lang="en-US"/>
               <a:t>Third level</a:t>
             </a:r>
           </a:p>
           <a:p>
             <a:pPr lvl="3"/>
             <a:r>
-              <a:rPr lang="en-US" smtClean="0"/>
+              <a:rPr lang="en-US"/>
               <a:t>Fourth level</a:t>
             </a:r>
           </a:p>
           <a:p>
             <a:pPr lvl="4"/>
             <a:r>
-              <a:rPr lang="en-US" smtClean="0"/>
+              <a:rPr lang="en-US"/>
               <a:t>Fifth level</a:t>
             </a:r>
             <a:endParaRPr lang="en-US" dirty="0"/>
@@ -4762,7 +4767,7 @@
           <a:p>
             <a:pPr lvl="0"/>
             <a:r>
-              <a:rPr lang="en-US" smtClean="0"/>
+              <a:rPr lang="en-US"/>
               <a:t>Edit Master text styles</a:t>
             </a:r>
           </a:p>
@@ -4785,7 +4790,7 @@
           <a:p>
             <a:fld id="{4509A250-FF31-4206-8172-F9D3106AACB1}" type="datetimeFigureOut">
               <a:rPr lang="en-US" dirty="0"/>
-              <a:t>2/5/2024</a:t>
+              <a:t>5/9/2024</a:t>
             </a:fld>
             <a:endParaRPr lang="en-US" dirty="0"/>
           </a:p>
@@ -4885,7 +4890,7 @@
           </a:lstStyle>
           <a:p>
             <a:r>
-              <a:rPr lang="en-US" smtClean="0"/>
+              <a:rPr lang="en-US"/>
               <a:t>Click to edit Master title style</a:t>
             </a:r>
             <a:endParaRPr lang="en-US" dirty="0"/>
@@ -4964,7 +4969,7 @@
           </a:lstStyle>
           <a:p>
             <a:r>
-              <a:rPr lang="en-US" smtClean="0"/>
+              <a:rPr lang="en-US"/>
               <a:t>Click icon to add picture</a:t>
             </a:r>
             <a:endParaRPr lang="en-US" dirty="0"/>
@@ -5032,7 +5037,7 @@
           <a:p>
             <a:pPr lvl="0"/>
             <a:r>
-              <a:rPr lang="en-US" smtClean="0"/>
+              <a:rPr lang="en-US"/>
               <a:t>Edit Master text styles</a:t>
             </a:r>
           </a:p>
@@ -5055,7 +5060,7 @@
           <a:p>
             <a:fld id="{4509A250-FF31-4206-8172-F9D3106AACB1}" type="datetimeFigureOut">
               <a:rPr lang="en-US" dirty="0"/>
-              <a:t>2/5/2024</a:t>
+              <a:t>5/9/2024</a:t>
             </a:fld>
             <a:endParaRPr lang="en-US" dirty="0"/>
           </a:p>
@@ -5374,7 +5379,7 @@
           <a:lstStyle/>
           <a:p>
             <a:r>
-              <a:rPr lang="en-US" smtClean="0"/>
+              <a:rPr lang="en-US"/>
               <a:t>Click to edit Master title style</a:t>
             </a:r>
             <a:endParaRPr lang="en-US" dirty="0"/>
@@ -5408,35 +5413,35 @@
           <a:p>
             <a:pPr lvl="0"/>
             <a:r>
-              <a:rPr lang="en-US" smtClean="0"/>
+              <a:rPr lang="en-US"/>
               <a:t>Edit Master text styles</a:t>
             </a:r>
           </a:p>
           <a:p>
             <a:pPr lvl="1"/>
             <a:r>
-              <a:rPr lang="en-US" smtClean="0"/>
+              <a:rPr lang="en-US"/>
               <a:t>Second level</a:t>
             </a:r>
           </a:p>
           <a:p>
             <a:pPr lvl="2"/>
             <a:r>
-              <a:rPr lang="en-US" smtClean="0"/>
+              <a:rPr lang="en-US"/>
               <a:t>Third level</a:t>
             </a:r>
           </a:p>
           <a:p>
             <a:pPr lvl="3"/>
             <a:r>
-              <a:rPr lang="en-US" smtClean="0"/>
+              <a:rPr lang="en-US"/>
               <a:t>Fourth level</a:t>
             </a:r>
           </a:p>
           <a:p>
             <a:pPr lvl="4"/>
             <a:r>
-              <a:rPr lang="en-US" smtClean="0"/>
+              <a:rPr lang="en-US"/>
               <a:t>Fifth level</a:t>
             </a:r>
             <a:endParaRPr lang="en-US" dirty="0"/>
@@ -5479,7 +5484,7 @@
           <a:p>
             <a:fld id="{4AAD347D-5ACD-4C99-B74B-A9C85AD731AF}" type="datetimeFigureOut">
               <a:rPr lang="en-US" dirty="0"/>
-              <a:t>2/5/2024</a:t>
+              <a:t>5/9/2024</a:t>
             </a:fld>
             <a:endParaRPr lang="en-US" dirty="0"/>
           </a:p>
@@ -6019,7 +6024,7 @@
           <a:lstStyle/>
           <a:p>
             <a:r>
-              <a:rPr lang="en-GB" dirty="0" smtClean="0"/>
+              <a:rPr lang="en-GB" dirty="0"/>
               <a:t>Notification</a:t>
             </a:r>
             <a:endParaRPr lang="en-US" dirty="0"/>
@@ -6091,7 +6096,7 @@
           <a:lstStyle/>
           <a:p>
             <a:r>
-              <a:rPr lang="en-GB" dirty="0" smtClean="0"/>
+              <a:rPr lang="en-GB" dirty="0"/>
               <a:t>Define model</a:t>
             </a:r>
             <a:endParaRPr lang="en-US" dirty="0"/>
@@ -6197,10 +6202,6 @@
             </a:r>
           </a:p>
           <a:p>
-            <a:r>
-              <a:rPr lang="en-US" dirty="0"/>
-              <a:t/>
-            </a:r>
             <a:br>
               <a:rPr lang="en-US" dirty="0"/>
             </a:br>
@@ -6323,7 +6324,7 @@
           <a:lstStyle/>
           <a:p>
             <a:r>
-              <a:rPr lang="en-GB" dirty="0" smtClean="0"/>
+              <a:rPr lang="en-GB" dirty="0"/>
               <a:t>Attribute detail</a:t>
             </a:r>
             <a:endParaRPr lang="en-US" dirty="0"/>
@@ -6347,11 +6348,7 @@
           <a:p>
             <a:r>
               <a:rPr lang="en-GB" dirty="0"/>
-              <a:t>t</a:t>
-            </a:r>
-            <a:r>
-              <a:rPr lang="en-GB" dirty="0" smtClean="0"/>
-              <a:t>ype: </a:t>
+              <a:t>type: </a:t>
             </a:r>
           </a:p>
           <a:p>
@@ -6360,10 +6357,9 @@
               <a:buAutoNum type="arabicPeriod"/>
             </a:pPr>
             <a:r>
-              <a:rPr lang="en-GB" dirty="0" smtClean="0"/>
+              <a:rPr lang="en-GB" dirty="0"/>
               <a:t>type:  string</a:t>
             </a:r>
-            <a:endParaRPr lang="en-GB" dirty="0"/>
           </a:p>
           <a:p>
             <a:pPr marL="457200" indent="-457200">
@@ -6372,11 +6368,7 @@
             </a:pPr>
             <a:r>
               <a:rPr lang="en-GB" dirty="0"/>
-              <a:t>value:  normal, now, </a:t>
-            </a:r>
-            <a:r>
-              <a:rPr lang="en-GB" dirty="0" smtClean="0"/>
-              <a:t>…</a:t>
+              <a:t>value:  normal, now, …</a:t>
             </a:r>
           </a:p>
           <a:p>
@@ -6385,7 +6377,7 @@
               <a:buChar char="-"/>
             </a:pPr>
             <a:r>
-              <a:rPr lang="en-GB" dirty="0" smtClean="0"/>
+              <a:rPr lang="en-GB" dirty="0"/>
               <a:t>normal: use for NOT urgent information </a:t>
             </a:r>
           </a:p>
@@ -6396,18 +6388,10 @@
             </a:pPr>
             <a:r>
               <a:rPr lang="en-GB" dirty="0"/>
-              <a:t>n</a:t>
-            </a:r>
-            <a:r>
-              <a:rPr lang="en-GB" dirty="0" smtClean="0"/>
-              <a:t>ow: </a:t>
-            </a:r>
-            <a:r>
-              <a:rPr lang="en-GB" dirty="0"/>
-              <a:t>use for NOT urgent information </a:t>
-            </a:r>
-            <a:r>
-              <a:rPr lang="en-US" dirty="0" smtClean="0"/>
+              <a:t>now: use for NOT urgent information </a:t>
+            </a:r>
+            <a:r>
+              <a:rPr lang="en-US" dirty="0"/>
               <a:t>( prescribe, check medication, search doctor or pharmacist, … )</a:t>
             </a:r>
             <a:endParaRPr lang="en-GB" dirty="0"/>
@@ -6484,11 +6468,7 @@
           <a:p>
             <a:r>
               <a:rPr lang="en-US" dirty="0"/>
-              <a:t>n</a:t>
-            </a:r>
-            <a:r>
-              <a:rPr lang="en-US" dirty="0" smtClean="0"/>
-              <a:t>otification</a:t>
+              <a:t>notification</a:t>
             </a:r>
           </a:p>
           <a:p>
@@ -6496,25 +6476,16 @@
               <a:buNone/>
             </a:pPr>
             <a:r>
-              <a:rPr lang="en-GB" dirty="0" smtClean="0"/>
-              <a:t>1. </a:t>
-            </a:r>
-            <a:r>
               <a:rPr lang="en-GB" dirty="0"/>
-              <a:t>type:  </a:t>
-            </a:r>
-            <a:r>
-              <a:rPr lang="en-GB" dirty="0" smtClean="0"/>
-              <a:t>text</a:t>
-            </a:r>
-            <a:endParaRPr lang="en-GB" dirty="0"/>
+              <a:t>1. type:  text</a:t>
+            </a:r>
           </a:p>
           <a:p>
             <a:pPr marL="0" indent="0">
               <a:buNone/>
             </a:pPr>
             <a:r>
-              <a:rPr lang="en-GB" dirty="0" smtClean="0"/>
+              <a:rPr lang="en-GB" dirty="0"/>
               <a:t>2. value:  </a:t>
             </a:r>
           </a:p>
@@ -6523,7 +6494,7 @@
               <a:buNone/>
             </a:pPr>
             <a:r>
-              <a:rPr lang="en-GB" dirty="0" smtClean="0"/>
+              <a:rPr lang="en-GB" dirty="0"/>
               <a:t>- is a custom JSON data, then convert to string</a:t>
             </a:r>
             <a:endParaRPr lang="en-US" dirty="0"/>
@@ -6602,7 +6573,7 @@
           <a:lstStyle/>
           <a:p>
             <a:r>
-              <a:rPr lang="en-GB" dirty="0" smtClean="0"/>
+              <a:rPr lang="en-GB" dirty="0"/>
               <a:t>Status</a:t>
             </a:r>
           </a:p>
@@ -6611,12 +6582,8 @@
               <a:buNone/>
             </a:pPr>
             <a:r>
-              <a:rPr lang="en-GB" dirty="0" smtClean="0"/>
-              <a:t>1. </a:t>
-            </a:r>
-            <a:r>
               <a:rPr lang="en-GB" dirty="0"/>
-              <a:t>type:  string</a:t>
+              <a:t>1. type:  string</a:t>
             </a:r>
           </a:p>
           <a:p>
@@ -6624,16 +6591,12 @@
               <a:buNone/>
             </a:pPr>
             <a:r>
-              <a:rPr lang="en-GB" dirty="0" smtClean="0"/>
+              <a:rPr lang="en-GB" dirty="0"/>
               <a:t>2. value: </a:t>
             </a:r>
             <a:r>
-              <a:rPr lang="en-US" dirty="0" smtClean="0"/>
-              <a:t> </a:t>
-            </a:r>
-            <a:r>
               <a:rPr lang="en-US" dirty="0"/>
-              <a:t>sent - </a:t>
+              <a:t> sent - </a:t>
             </a:r>
             <a:r>
               <a:rPr lang="en-US" dirty="0" err="1"/>
@@ -6641,11 +6604,7 @@
             </a:r>
             <a:r>
               <a:rPr lang="en-US" dirty="0"/>
-              <a:t> - seen - read - deleted / 1 - 2 - 3 - 4 </a:t>
-            </a:r>
-            <a:r>
-              <a:rPr lang="en-US" dirty="0" smtClean="0"/>
-              <a:t>– 5</a:t>
+              <a:t> - seen - read - deleted / 1 - 2 - 3 - 4 – 5</a:t>
             </a:r>
           </a:p>
           <a:p>
@@ -6653,23 +6612,23 @@
               <a:buNone/>
             </a:pPr>
             <a:r>
-              <a:rPr lang="en-GB" dirty="0" smtClean="0"/>
+              <a:rPr lang="en-GB" dirty="0"/>
               <a:t>- We can check </a:t>
             </a:r>
             <a:r>
-              <a:rPr lang="en-GB" dirty="0" err="1" smtClean="0"/>
+              <a:rPr lang="en-GB" dirty="0" err="1"/>
               <a:t>notificate</a:t>
             </a:r>
             <a:r>
-              <a:rPr lang="en-GB" dirty="0" smtClean="0"/>
+              <a:rPr lang="en-GB" dirty="0"/>
               <a:t> status to </a:t>
             </a:r>
             <a:r>
-              <a:rPr lang="en-GB" dirty="0" err="1" smtClean="0"/>
+              <a:rPr lang="en-GB" dirty="0" err="1"/>
               <a:t>implemente</a:t>
             </a:r>
             <a:r>
-              <a:rPr lang="en-GB" dirty="0" smtClean="0"/>
+              <a:rPr lang="en-GB" dirty="0"/>
               <a:t> next task</a:t>
             </a:r>
             <a:endParaRPr lang="en-US" dirty="0"/>
@@ -6678,7 +6637,7 @@
             <a:pPr marL="0" indent="0">
               <a:buNone/>
             </a:pPr>
-            <a:endParaRPr lang="en-GB" dirty="0" smtClean="0"/>
+            <a:endParaRPr lang="en-GB" dirty="0"/>
           </a:p>
           <a:p>
             <a:endParaRPr lang="en-US" dirty="0"/>
@@ -6764,7 +6723,7 @@
               <a:buAutoNum type="arabicPeriod"/>
             </a:pPr>
             <a:r>
-              <a:rPr lang="en-GB" dirty="0" smtClean="0"/>
+              <a:rPr lang="en-GB" dirty="0"/>
               <a:t>type: string ( uuidv4 )</a:t>
             </a:r>
           </a:p>
@@ -6774,11 +6733,7 @@
             </a:pPr>
             <a:r>
               <a:rPr lang="en-GB" dirty="0"/>
-              <a:t>v</a:t>
-            </a:r>
-            <a:r>
-              <a:rPr lang="en-GB" dirty="0" smtClean="0"/>
-              <a:t>alue:  </a:t>
+              <a:t>value:  </a:t>
             </a:r>
           </a:p>
           <a:p>
@@ -6787,19 +6742,15 @@
               <a:buChar char="-"/>
             </a:pPr>
             <a:r>
-              <a:rPr lang="en-GB" dirty="0" smtClean="0"/>
+              <a:rPr lang="en-GB" dirty="0"/>
               <a:t>Is a </a:t>
             </a:r>
             <a:r>
               <a:rPr lang="en-US" dirty="0"/>
-              <a:t>FOREIGN </a:t>
-            </a:r>
-            <a:r>
-              <a:rPr lang="en-US" dirty="0" smtClean="0"/>
-              <a:t>KEY</a:t>
-            </a:r>
-            <a:r>
-              <a:rPr lang="en-GB" dirty="0" smtClean="0"/>
+              <a:t>FOREIGN KEY</a:t>
+            </a:r>
+            <a:r>
+              <a:rPr lang="en-GB" dirty="0"/>
               <a:t> to user table</a:t>
             </a:r>
           </a:p>
@@ -6809,7 +6760,7 @@
               <a:buChar char="-"/>
             </a:pPr>
             <a:r>
-              <a:rPr lang="en-GB" dirty="0" smtClean="0"/>
+              <a:rPr lang="en-GB" dirty="0"/>
               <a:t>Tell us know this notification is who’s</a:t>
             </a:r>
             <a:endParaRPr lang="en-US" dirty="0"/>
@@ -6888,20 +6839,16 @@
           <a:p>
             <a:r>
               <a:rPr lang="en-US" dirty="0"/>
-              <a:t>n</a:t>
-            </a:r>
-            <a:r>
-              <a:rPr lang="en-US" dirty="0" smtClean="0"/>
-              <a:t>otification detail</a:t>
-            </a:r>
-          </a:p>
-          <a:p>
-            <a:r>
-              <a:rPr lang="en-GB" dirty="0" err="1" smtClean="0"/>
+              <a:t>notification detail</a:t>
+            </a:r>
+          </a:p>
+          <a:p>
+            <a:r>
+              <a:rPr lang="en-GB" dirty="0" err="1"/>
               <a:t>Json</a:t>
             </a:r>
             <a:r>
-              <a:rPr lang="en-GB" dirty="0" smtClean="0"/>
+              <a:rPr lang="en-GB" dirty="0"/>
               <a:t> data:</a:t>
             </a:r>
           </a:p>
@@ -6911,46 +6858,34 @@
             </a:pPr>
             <a:r>
               <a:rPr lang="en-US" dirty="0" err="1"/>
-              <a:t>c</a:t>
-            </a:r>
-            <a:r>
-              <a:rPr lang="en-US" dirty="0" err="1" smtClean="0"/>
-              <a:t>onst</a:t>
-            </a:r>
-            <a:r>
-              <a:rPr lang="en-US" dirty="0" smtClean="0"/>
+              <a:t>const</a:t>
+            </a:r>
+            <a:r>
+              <a:rPr lang="en-US" dirty="0"/>
               <a:t> notification {</a:t>
             </a:r>
-            <a:endParaRPr lang="en-US" dirty="0"/>
           </a:p>
           <a:p>
             <a:pPr marL="457200" lvl="1" indent="0">
               <a:buNone/>
             </a:pPr>
             <a:r>
-              <a:rPr lang="en-US" dirty="0" smtClean="0"/>
-              <a:t>title</a:t>
-            </a:r>
-            <a:r>
               <a:rPr lang="en-US" dirty="0"/>
-              <a:t>: string, </a:t>
-            </a:r>
+              <a:t>title: string</a:t>
+            </a:r>
+            <a:r>
+              <a:rPr lang="en-US"/>
+              <a:t>, </a:t>
+            </a:r>
+            <a:endParaRPr lang="en-US" dirty="0"/>
           </a:p>
           <a:p>
             <a:pPr marL="457200" lvl="1" indent="0">
               <a:buNone/>
             </a:pPr>
             <a:r>
-              <a:rPr lang="en-US" dirty="0" smtClean="0"/>
-              <a:t>type</a:t>
-            </a:r>
-            <a:r>
               <a:rPr lang="en-US" dirty="0"/>
-              <a:t>: </a:t>
-            </a:r>
-            <a:r>
-              <a:rPr lang="en-US" dirty="0" smtClean="0"/>
-              <a:t>string,</a:t>
+              <a:t>type: string,</a:t>
             </a:r>
           </a:p>
           <a:p>
@@ -6958,16 +6893,12 @@
               <a:buNone/>
             </a:pPr>
             <a:r>
-              <a:rPr lang="en-US" dirty="0" err="1" smtClean="0"/>
+              <a:rPr lang="en-US" dirty="0" err="1"/>
               <a:t>uuid_userSent</a:t>
             </a:r>
             <a:r>
               <a:rPr lang="en-US" dirty="0"/>
-              <a:t>: </a:t>
-            </a:r>
-            <a:r>
-              <a:rPr lang="en-US" dirty="0" smtClean="0"/>
-              <a:t>string,</a:t>
+              <a:t>: string,</a:t>
             </a:r>
           </a:p>
           <a:p>
@@ -6975,12 +6906,8 @@
               <a:buNone/>
             </a:pPr>
             <a:r>
-              <a:rPr lang="en-US" dirty="0" smtClean="0"/>
-              <a:t>data</a:t>
-            </a:r>
-            <a:r>
               <a:rPr lang="en-US" dirty="0"/>
-              <a:t>: </a:t>
+              <a:t>data: </a:t>
             </a:r>
             <a:r>
               <a:rPr lang="en-US" dirty="0" err="1"/>
@@ -6993,12 +6920,8 @@
               <a:buNone/>
             </a:pPr>
             <a:r>
-              <a:rPr lang="en-US" dirty="0" smtClean="0"/>
-              <a:t>} </a:t>
-            </a:r>
-            <a:r>
               <a:rPr lang="en-US" dirty="0"/>
-              <a:t>notification</a:t>
+              <a:t>} notification</a:t>
             </a:r>
           </a:p>
           <a:p>
@@ -7006,27 +6929,22 @@
               <a:buNone/>
             </a:pPr>
             <a:r>
-              <a:rPr lang="en-GB" dirty="0" smtClean="0"/>
+              <a:rPr lang="en-GB" dirty="0"/>
               <a:t>1. </a:t>
             </a:r>
             <a:r>
-              <a:rPr lang="en-US" dirty="0" smtClean="0"/>
-              <a:t>type: </a:t>
-            </a:r>
-            <a:r>
-              <a:rPr lang="en-US" smtClean="0"/>
-              <a:t>type detail</a:t>
-            </a:r>
-            <a:endParaRPr lang="en-US" dirty="0"/>
+              <a:rPr lang="en-US" dirty="0"/>
+              <a:t>type: type detail</a:t>
+            </a:r>
           </a:p>
           <a:p>
             <a:pPr marL="0" indent="0">
               <a:buNone/>
             </a:pPr>
-            <a:endParaRPr lang="en-GB" dirty="0" smtClean="0"/>
-          </a:p>
-          <a:p>
-            <a:endParaRPr lang="en-US" dirty="0" smtClean="0"/>
+            <a:endParaRPr lang="en-GB" dirty="0"/>
+          </a:p>
+          <a:p>
+            <a:endParaRPr lang="en-US" dirty="0"/>
           </a:p>
           <a:p>
             <a:endParaRPr lang="en-US" dirty="0"/>
